--- a/Presentations/Final_Presentation.pptx
+++ b/Presentations/Final_Presentation.pptx
@@ -262,7 +262,7 @@
           <a:p>
             <a:fld id="{EC828E42-DB4B-450E-A42F-21C230EDA972}" type="datetimeFigureOut">
               <a:rPr lang="en-US" smtClean="0"/>
-              <a:t>4/27/2022</a:t>
+              <a:t>5/1/2022</a:t>
             </a:fld>
             <a:endParaRPr lang="en-US"/>
           </a:p>
@@ -432,7 +432,7 @@
           <a:p>
             <a:fld id="{EC828E42-DB4B-450E-A42F-21C230EDA972}" type="datetimeFigureOut">
               <a:rPr lang="en-US" smtClean="0"/>
-              <a:t>4/27/2022</a:t>
+              <a:t>5/1/2022</a:t>
             </a:fld>
             <a:endParaRPr lang="en-US"/>
           </a:p>
@@ -612,7 +612,7 @@
           <a:p>
             <a:fld id="{EC828E42-DB4B-450E-A42F-21C230EDA972}" type="datetimeFigureOut">
               <a:rPr lang="en-US" smtClean="0"/>
-              <a:t>4/27/2022</a:t>
+              <a:t>5/1/2022</a:t>
             </a:fld>
             <a:endParaRPr lang="en-US"/>
           </a:p>
@@ -782,7 +782,7 @@
           <a:p>
             <a:fld id="{EC828E42-DB4B-450E-A42F-21C230EDA972}" type="datetimeFigureOut">
               <a:rPr lang="en-US" smtClean="0"/>
-              <a:t>4/27/2022</a:t>
+              <a:t>5/1/2022</a:t>
             </a:fld>
             <a:endParaRPr lang="en-US"/>
           </a:p>
@@ -1028,7 +1028,7 @@
           <a:p>
             <a:fld id="{EC828E42-DB4B-450E-A42F-21C230EDA972}" type="datetimeFigureOut">
               <a:rPr lang="en-US" smtClean="0"/>
-              <a:t>4/27/2022</a:t>
+              <a:t>5/1/2022</a:t>
             </a:fld>
             <a:endParaRPr lang="en-US"/>
           </a:p>
@@ -1260,7 +1260,7 @@
           <a:p>
             <a:fld id="{EC828E42-DB4B-450E-A42F-21C230EDA972}" type="datetimeFigureOut">
               <a:rPr lang="en-US" smtClean="0"/>
-              <a:t>4/27/2022</a:t>
+              <a:t>5/1/2022</a:t>
             </a:fld>
             <a:endParaRPr lang="en-US"/>
           </a:p>
@@ -1627,7 +1627,7 @@
           <a:p>
             <a:fld id="{EC828E42-DB4B-450E-A42F-21C230EDA972}" type="datetimeFigureOut">
               <a:rPr lang="en-US" smtClean="0"/>
-              <a:t>4/27/2022</a:t>
+              <a:t>5/1/2022</a:t>
             </a:fld>
             <a:endParaRPr lang="en-US"/>
           </a:p>
@@ -1745,7 +1745,7 @@
           <a:p>
             <a:fld id="{EC828E42-DB4B-450E-A42F-21C230EDA972}" type="datetimeFigureOut">
               <a:rPr lang="en-US" smtClean="0"/>
-              <a:t>4/27/2022</a:t>
+              <a:t>5/1/2022</a:t>
             </a:fld>
             <a:endParaRPr lang="en-US"/>
           </a:p>
@@ -1840,7 +1840,7 @@
           <a:p>
             <a:fld id="{EC828E42-DB4B-450E-A42F-21C230EDA972}" type="datetimeFigureOut">
               <a:rPr lang="en-US" smtClean="0"/>
-              <a:t>4/27/2022</a:t>
+              <a:t>5/1/2022</a:t>
             </a:fld>
             <a:endParaRPr lang="en-US"/>
           </a:p>
@@ -2117,7 +2117,7 @@
           <a:p>
             <a:fld id="{EC828E42-DB4B-450E-A42F-21C230EDA972}" type="datetimeFigureOut">
               <a:rPr lang="en-US" smtClean="0"/>
-              <a:t>4/27/2022</a:t>
+              <a:t>5/1/2022</a:t>
             </a:fld>
             <a:endParaRPr lang="en-US"/>
           </a:p>
@@ -2374,7 +2374,7 @@
           <a:p>
             <a:fld id="{EC828E42-DB4B-450E-A42F-21C230EDA972}" type="datetimeFigureOut">
               <a:rPr lang="en-US" smtClean="0"/>
-              <a:t>4/27/2022</a:t>
+              <a:t>5/1/2022</a:t>
             </a:fld>
             <a:endParaRPr lang="en-US"/>
           </a:p>
@@ -2590,7 +2590,7 @@
           <a:p>
             <a:fld id="{EC828E42-DB4B-450E-A42F-21C230EDA972}" type="datetimeFigureOut">
               <a:rPr lang="en-US" smtClean="0"/>
-              <a:t>4/27/2022</a:t>
+              <a:t>5/1/2022</a:t>
             </a:fld>
             <a:endParaRPr lang="en-US"/>
           </a:p>
@@ -4968,13 +4968,13 @@
   <p:clrMapOvr>
     <a:masterClrMapping/>
   </p:clrMapOvr>
-  <mc:AlternateContent xmlns:mc="http://schemas.openxmlformats.org/markup-compatibility/2006" xmlns:p14="http://schemas.microsoft.com/office/powerpoint/2010/main">
-    <mc:Choice Requires="p14">
-      <p:transition spd="slow" p14:dur="900">
-        <p14:warp dir="in"/>
+  <mc:AlternateContent xmlns:mc="http://schemas.openxmlformats.org/markup-compatibility/2006">
+    <mc:Choice xmlns:p14="http://schemas.microsoft.com/office/powerpoint/2010/main" Requires="p14">
+      <p:transition spd="slow" p14:dur="1500">
+        <p14:window dir="vert"/>
       </p:transition>
     </mc:Choice>
-    <mc:Fallback xmlns="">
+    <mc:Fallback>
       <p:transition spd="slow">
         <p:fade/>
       </p:transition>
@@ -5385,13 +5385,13 @@
   <p:clrMapOvr>
     <a:masterClrMapping/>
   </p:clrMapOvr>
-  <mc:AlternateContent xmlns:mc="http://schemas.openxmlformats.org/markup-compatibility/2006" xmlns:p14="http://schemas.microsoft.com/office/powerpoint/2010/main">
-    <mc:Choice Requires="p14">
-      <p:transition spd="slow" p14:dur="900">
-        <p14:warp dir="in"/>
+  <mc:AlternateContent xmlns:mc="http://schemas.openxmlformats.org/markup-compatibility/2006">
+    <mc:Choice xmlns:p14="http://schemas.microsoft.com/office/powerpoint/2010/main" Requires="p14">
+      <p:transition spd="slow" p14:dur="1200">
+        <p14:prism/>
       </p:transition>
     </mc:Choice>
-    <mc:Fallback xmlns="">
+    <mc:Fallback>
       <p:transition spd="slow">
         <p:fade/>
       </p:transition>
@@ -5759,13 +5759,13 @@
   <p:clrMapOvr>
     <a:masterClrMapping/>
   </p:clrMapOvr>
-  <mc:AlternateContent xmlns:mc="http://schemas.openxmlformats.org/markup-compatibility/2006" xmlns:p14="http://schemas.microsoft.com/office/powerpoint/2010/main">
-    <mc:Choice Requires="p14">
-      <p:transition spd="slow" p14:dur="900">
-        <p14:warp dir="in"/>
+  <mc:AlternateContent xmlns:mc="http://schemas.openxmlformats.org/markup-compatibility/2006">
+    <mc:Choice xmlns:p14="http://schemas.microsoft.com/office/powerpoint/2010/main" Requires="p14">
+      <p:transition spd="slow" p14:dur="2000">
+        <p14:prism isContent="1"/>
       </p:transition>
     </mc:Choice>
-    <mc:Fallback xmlns="">
+    <mc:Fallback>
       <p:transition spd="slow">
         <p:fade/>
       </p:transition>
@@ -6304,13 +6304,13 @@
   <p:clrMapOvr>
     <a:masterClrMapping/>
   </p:clrMapOvr>
-  <mc:AlternateContent xmlns:mc="http://schemas.openxmlformats.org/markup-compatibility/2006" xmlns:p14="http://schemas.microsoft.com/office/powerpoint/2010/main">
-    <mc:Choice Requires="p14">
-      <p:transition spd="slow" p14:dur="900">
-        <p14:warp dir="in"/>
+  <mc:AlternateContent xmlns:mc="http://schemas.openxmlformats.org/markup-compatibility/2006">
+    <mc:Choice xmlns:p14="http://schemas.microsoft.com/office/powerpoint/2010/main" Requires="p14">
+      <p:transition spd="slow" p14:dur="1600">
+        <p14:conveyor dir="l"/>
       </p:transition>
     </mc:Choice>
-    <mc:Fallback xmlns="">
+    <mc:Fallback>
       <p:transition spd="slow">
         <p:fade/>
       </p:transition>
@@ -6869,13 +6869,13 @@
   <p:clrMapOvr>
     <a:masterClrMapping/>
   </p:clrMapOvr>
-  <mc:AlternateContent xmlns:mc="http://schemas.openxmlformats.org/markup-compatibility/2006" xmlns:p14="http://schemas.microsoft.com/office/powerpoint/2010/main">
-    <mc:Choice Requires="p14">
-      <p:transition spd="slow" p14:dur="900">
-        <p14:warp dir="in"/>
+  <mc:AlternateContent xmlns:mc="http://schemas.openxmlformats.org/markup-compatibility/2006">
+    <mc:Choice xmlns:p14="http://schemas.microsoft.com/office/powerpoint/2010/main" Requires="p14">
+      <p:transition spd="slow" p14:dur="1600">
+        <p14:conveyor dir="l"/>
       </p:transition>
     </mc:Choice>
-    <mc:Fallback xmlns="">
+    <mc:Fallback>
       <p:transition spd="slow">
         <p:fade/>
       </p:transition>
@@ -7439,13 +7439,13 @@
   <p:clrMapOvr>
     <a:masterClrMapping/>
   </p:clrMapOvr>
-  <mc:AlternateContent xmlns:mc="http://schemas.openxmlformats.org/markup-compatibility/2006" xmlns:p14="http://schemas.microsoft.com/office/powerpoint/2010/main">
-    <mc:Choice Requires="p14">
-      <p:transition spd="slow" p14:dur="900">
-        <p14:warp dir="in"/>
+  <mc:AlternateContent xmlns:mc="http://schemas.openxmlformats.org/markup-compatibility/2006">
+    <mc:Choice xmlns:p14="http://schemas.microsoft.com/office/powerpoint/2010/main" Requires="p14">
+      <p:transition spd="slow" p14:dur="1600">
+        <p14:conveyor dir="l"/>
       </p:transition>
     </mc:Choice>
-    <mc:Fallback xmlns="">
+    <mc:Fallback>
       <p:transition spd="slow">
         <p:fade/>
       </p:transition>
@@ -8057,13 +8057,13 @@
   <p:clrMapOvr>
     <a:masterClrMapping/>
   </p:clrMapOvr>
-  <mc:AlternateContent xmlns:mc="http://schemas.openxmlformats.org/markup-compatibility/2006" xmlns:p14="http://schemas.microsoft.com/office/powerpoint/2010/main">
-    <mc:Choice Requires="p14">
-      <p:transition spd="slow" p14:dur="1600">
-        <p14:conveyor dir="l"/>
+  <mc:AlternateContent xmlns:mc="http://schemas.openxmlformats.org/markup-compatibility/2006">
+    <mc:Choice xmlns:p14="http://schemas.microsoft.com/office/powerpoint/2010/main" Requires="p14">
+      <p:transition spd="slow" p14:dur="1400">
+        <p14:doors dir="vert"/>
       </p:transition>
     </mc:Choice>
-    <mc:Fallback xmlns="">
+    <mc:Fallback>
       <p:transition spd="slow">
         <p:fade/>
       </p:transition>
@@ -8382,15 +8382,15 @@
   <p:clrMapOvr>
     <a:masterClrMapping/>
   </p:clrMapOvr>
-  <mc:AlternateContent xmlns:mc="http://schemas.openxmlformats.org/markup-compatibility/2006" xmlns:p14="http://schemas.microsoft.com/office/powerpoint/2010/main">
-    <mc:Choice Requires="p14">
-      <p:transition spd="slow" p14:dur="1300">
-        <p14:pan dir="u"/>
+  <mc:AlternateContent xmlns:mc="http://schemas.openxmlformats.org/markup-compatibility/2006">
+    <mc:Choice xmlns:p14="http://schemas.microsoft.com/office/powerpoint/2010/main" Requires="p14">
+      <p:transition spd="slow" p14:dur="1600">
+        <p:blinds dir="vert"/>
       </p:transition>
     </mc:Choice>
-    <mc:Fallback xmlns="">
+    <mc:Fallback>
       <p:transition spd="slow">
-        <p:fade/>
+        <p:blinds dir="vert"/>
       </p:transition>
     </mc:Fallback>
   </mc:AlternateContent>
@@ -8636,8 +8636,8 @@
         </p:nvSpPr>
         <p:spPr>
           <a:xfrm>
-            <a:off x="931178" y="1319560"/>
-            <a:ext cx="10377182" cy="4120653"/>
+            <a:off x="931178" y="1319572"/>
+            <a:ext cx="10377182" cy="4805735"/>
           </a:xfrm>
           <a:prstGeom prst="roundRect">
             <a:avLst/>
@@ -8723,8 +8723,8 @@
         </p:nvCxnSpPr>
         <p:spPr>
           <a:xfrm>
-            <a:off x="6119769" y="1319560"/>
-            <a:ext cx="0" cy="4120653"/>
+            <a:off x="6119769" y="1319572"/>
+            <a:ext cx="0" cy="4805735"/>
           </a:xfrm>
           <a:prstGeom prst="line">
             <a:avLst/>
@@ -8794,8 +8794,8 @@
         </p:nvSpPr>
         <p:spPr>
           <a:xfrm>
-            <a:off x="1170613" y="2260608"/>
-            <a:ext cx="4689444" cy="3416320"/>
+            <a:off x="1170613" y="1675833"/>
+            <a:ext cx="4689444" cy="4585871"/>
           </a:xfrm>
           <a:prstGeom prst="rect">
             <a:avLst/>
@@ -8809,10 +8809,7 @@
           <a:lstStyle/>
           <a:p>
             <a:pPr algn="ctr"/>
-            <a:r>
-              <a:rPr lang="en-US" sz="2000" dirty="0"/>
-              <a:t>Introduction</a:t>
-            </a:r>
+            <a:endParaRPr lang="en-US" sz="2000" dirty="0"/>
           </a:p>
           <a:p>
             <a:pPr algn="ctr"/>
@@ -8821,41 +8818,56 @@
           <a:p>
             <a:pPr algn="ctr"/>
             <a:r>
-              <a:rPr lang="en-US" sz="2000" dirty="0"/>
-              <a:t>Dataset</a:t>
+              <a:rPr lang="en-US" sz="2400" dirty="0"/>
+              <a:t>Introduction</a:t>
             </a:r>
           </a:p>
           <a:p>
             <a:pPr algn="ctr"/>
-            <a:endParaRPr lang="en-US" sz="2000" dirty="0"/>
+            <a:endParaRPr lang="en-US" sz="2400" dirty="0"/>
           </a:p>
           <a:p>
             <a:pPr algn="ctr"/>
             <a:r>
-              <a:rPr lang="en-US" sz="2000" dirty="0"/>
+              <a:rPr lang="en-US" sz="2400" dirty="0"/>
               <a:t>Research Questions</a:t>
             </a:r>
           </a:p>
           <a:p>
             <a:pPr algn="ctr"/>
-            <a:endParaRPr lang="en-US" sz="2000" dirty="0"/>
+            <a:endParaRPr lang="en-US" sz="2400" dirty="0"/>
           </a:p>
           <a:p>
             <a:pPr algn="ctr"/>
             <a:r>
-              <a:rPr lang="en-US" sz="2000" dirty="0"/>
+              <a:rPr lang="en-US" sz="2400" dirty="0"/>
               <a:t>Framework</a:t>
             </a:r>
           </a:p>
           <a:p>
             <a:pPr algn="ctr"/>
-            <a:endParaRPr lang="en-US" sz="2000" dirty="0"/>
+            <a:endParaRPr lang="en-US" sz="2400" dirty="0"/>
           </a:p>
           <a:p>
             <a:pPr algn="ctr"/>
             <a:r>
-              <a:rPr lang="en-US" sz="2000" dirty="0"/>
+              <a:rPr lang="en-US" sz="2400" dirty="0"/>
               <a:t>EDA Results </a:t>
+            </a:r>
+          </a:p>
+          <a:p>
+            <a:pPr algn="ctr"/>
+            <a:endParaRPr lang="en-US" sz="2400" dirty="0"/>
+          </a:p>
+          <a:p>
+            <a:pPr algn="ctr"/>
+            <a:r>
+              <a:rPr lang="en-US" sz="2400" dirty="0" err="1"/>
+              <a:t>Streamlit</a:t>
+            </a:r>
+            <a:r>
+              <a:rPr lang="en-US" sz="2400" dirty="0"/>
+              <a:t> Intro</a:t>
             </a:r>
           </a:p>
           <a:p>
@@ -8882,8 +8894,8 @@
         </p:nvSpPr>
         <p:spPr>
           <a:xfrm>
-            <a:off x="6510206" y="2399107"/>
-            <a:ext cx="4689444" cy="3970318"/>
+            <a:off x="6480546" y="1964353"/>
+            <a:ext cx="4689444" cy="5632311"/>
           </a:xfrm>
           <a:prstGeom prst="rect">
             <a:avLst/>
@@ -8897,73 +8909,85 @@
           <a:lstStyle/>
           <a:p>
             <a:pPr algn="ctr"/>
-            <a:r>
-              <a:rPr lang="en-US" sz="2000" dirty="0"/>
-              <a:t>EDA Results</a:t>
-            </a:r>
+            <a:endParaRPr lang="en-US" sz="2400" dirty="0"/>
           </a:p>
           <a:p>
             <a:pPr algn="ctr"/>
-            <a:endParaRPr lang="en-US" sz="2000" dirty="0"/>
+            <a:r>
+              <a:rPr lang="en-US" sz="2400" dirty="0"/>
+              <a:t>Model Implementation Intro</a:t>
+            </a:r>
           </a:p>
           <a:p>
             <a:pPr algn="ctr"/>
-            <a:r>
-              <a:rPr lang="en-US" sz="2000" dirty="0"/>
-              <a:t>Visualization</a:t>
-            </a:r>
+            <a:endParaRPr lang="en-US" sz="2400" dirty="0"/>
           </a:p>
           <a:p>
             <a:pPr algn="ctr"/>
-            <a:endParaRPr lang="en-US" sz="2000" dirty="0"/>
+            <a:r>
+              <a:rPr lang="en-US" sz="2400" dirty="0"/>
+              <a:t>Machine Learning Models</a:t>
+            </a:r>
           </a:p>
           <a:p>
             <a:pPr algn="ctr"/>
-            <a:r>
-              <a:rPr lang="en-US" sz="2000" dirty="0"/>
-              <a:t>Machine Learning Models</a:t>
-            </a:r>
+            <a:endParaRPr lang="en-US" sz="2400" dirty="0"/>
           </a:p>
           <a:p>
             <a:pPr algn="ctr"/>
-            <a:endParaRPr lang="en-US" sz="2000" dirty="0"/>
+            <a:r>
+              <a:rPr lang="en-US" sz="2400" dirty="0"/>
+              <a:t>Deployment</a:t>
+            </a:r>
           </a:p>
           <a:p>
             <a:pPr algn="ctr"/>
-            <a:r>
-              <a:rPr lang="en-US" sz="2000" dirty="0"/>
-              <a:t>Deployment</a:t>
-            </a:r>
+            <a:endParaRPr lang="en-US" sz="2400" dirty="0"/>
           </a:p>
           <a:p>
             <a:pPr algn="ctr"/>
-            <a:endParaRPr lang="en-US" sz="2000" dirty="0"/>
+            <a:r>
+              <a:rPr lang="en-US" sz="2400" dirty="0" err="1"/>
+              <a:t>Streamlit</a:t>
+            </a:r>
+            <a:r>
+              <a:rPr lang="en-US" sz="2400" dirty="0"/>
+              <a:t> Demo</a:t>
+            </a:r>
           </a:p>
           <a:p>
             <a:pPr algn="ctr"/>
-            <a:r>
-              <a:rPr lang="en-US" sz="2000" dirty="0"/>
+            <a:endParaRPr lang="en-US" sz="2400" dirty="0"/>
+          </a:p>
+          <a:p>
+            <a:pPr algn="ctr"/>
+            <a:r>
+              <a:rPr lang="en-US" sz="2400" dirty="0"/>
               <a:t>References</a:t>
             </a:r>
           </a:p>
           <a:p>
             <a:pPr algn="ctr"/>
-            <a:endParaRPr lang="en-US" dirty="0"/>
+            <a:endParaRPr lang="en-US" sz="2400" dirty="0"/>
           </a:p>
           <a:p>
             <a:pPr algn="ctr"/>
-            <a:r>
-              <a:rPr lang="en-US" dirty="0"/>
+            <a:endParaRPr lang="en-US" sz="2400" dirty="0"/>
+          </a:p>
+          <a:p>
+            <a:pPr algn="ctr"/>
+            <a:r>
+              <a:rPr lang="en-US" sz="2400" dirty="0"/>
               <a:t> </a:t>
             </a:r>
           </a:p>
           <a:p>
             <a:pPr algn="ctr"/>
-            <a:endParaRPr lang="en-US" dirty="0"/>
+            <a:endParaRPr lang="en-US" sz="2400" dirty="0"/>
           </a:p>
           <a:p>
             <a:pPr algn="ctr"/>
-            <a:endParaRPr lang="en-US" dirty="0"/>
+            <a:endParaRPr lang="en-US" sz="2400" dirty="0"/>
           </a:p>
         </p:txBody>
       </p:sp>
@@ -9224,15 +9248,15 @@
   <p:clrMapOvr>
     <a:masterClrMapping/>
   </p:clrMapOvr>
-  <mc:AlternateContent xmlns:mc="http://schemas.openxmlformats.org/markup-compatibility/2006" xmlns:p14="http://schemas.microsoft.com/office/powerpoint/2010/main">
-    <mc:Choice Requires="p14">
-      <p:transition spd="slow" p14:dur="1600">
-        <p:blinds dir="vert"/>
+  <mc:AlternateContent xmlns:mc="http://schemas.openxmlformats.org/markup-compatibility/2006">
+    <mc:Choice xmlns:p14="http://schemas.microsoft.com/office/powerpoint/2010/main" Requires="p14">
+      <p:transition spd="slow" p14:dur="1250">
+        <p14:flip dir="r"/>
       </p:transition>
     </mc:Choice>
-    <mc:Fallback xmlns="">
+    <mc:Fallback>
       <p:transition spd="slow">
-        <p:blinds dir="vert"/>
+        <p:fade/>
       </p:transition>
     </mc:Fallback>
   </mc:AlternateContent>
